--- a/Glassdoor Presentation.pptx
+++ b/Glassdoor Presentation.pptx
@@ -12510,7 +12510,7 @@
             <a:pPr algn="ctr"/>
             <a:r>
               <a:rPr lang="en-US" dirty="0"/>
-              <a:t>16.7%</a:t>
+              <a:t>19.1%</a:t>
             </a:r>
           </a:p>
         </p:txBody>

--- a/Glassdoor Presentation.pptx
+++ b/Glassdoor Presentation.pptx
@@ -14,9 +14,9 @@
     <p:sldId id="264" r:id="rId8"/>
     <p:sldId id="271" r:id="rId9"/>
     <p:sldId id="262" r:id="rId10"/>
-    <p:sldId id="270" r:id="rId11"/>
-    <p:sldId id="267" r:id="rId12"/>
-    <p:sldId id="269" r:id="rId13"/>
+    <p:sldId id="269" r:id="rId11"/>
+    <p:sldId id="270" r:id="rId12"/>
+    <p:sldId id="267" r:id="rId13"/>
     <p:sldId id="272" r:id="rId14"/>
   </p:sldIdLst>
   <p:sldSz cx="12192000" cy="6858000"/>
@@ -9566,10 +9566,45 @@
       </p:grpSpPr>
       <p:sp>
         <p:nvSpPr>
-          <p:cNvPr id="4" name="Rectangle 3">
-            <a:extLst>
-              <a:ext uri="{FF2B5EF4-FFF2-40B4-BE49-F238E27FC236}">
-                <a16:creationId xmlns:a16="http://schemas.microsoft.com/office/drawing/2014/main" id="{BB39241E-C531-4DF5-AC3A-8A01B2CEC086}"/>
+          <p:cNvPr id="7" name="TextBox 6">
+            <a:extLst>
+              <a:ext uri="{FF2B5EF4-FFF2-40B4-BE49-F238E27FC236}">
+                <a16:creationId xmlns:a16="http://schemas.microsoft.com/office/drawing/2014/main" id="{092270C7-5432-4D64-8806-68D16E693558}"/>
+              </a:ext>
+            </a:extLst>
+          </p:cNvPr>
+          <p:cNvSpPr txBox="1"/>
+          <p:nvPr/>
+        </p:nvSpPr>
+        <p:spPr>
+          <a:xfrm>
+            <a:off x="618837" y="381110"/>
+            <a:ext cx="5867504" cy="400110"/>
+          </a:xfrm>
+          <a:prstGeom prst="rect">
+            <a:avLst/>
+          </a:prstGeom>
+          <a:noFill/>
+        </p:spPr>
+        <p:txBody>
+          <a:bodyPr wrap="none" rtlCol="0">
+            <a:spAutoFit/>
+          </a:bodyPr>
+          <a:lstStyle/>
+          <a:p>
+            <a:r>
+              <a:rPr lang="en-US" sz="2000" b="1" dirty="0"/>
+              <a:t>Buy and Hold “Best Places to Work” for 3 years</a:t>
+            </a:r>
+          </a:p>
+        </p:txBody>
+      </p:sp>
+      <p:sp>
+        <p:nvSpPr>
+          <p:cNvPr id="8" name="Rectangle 7">
+            <a:extLst>
+              <a:ext uri="{FF2B5EF4-FFF2-40B4-BE49-F238E27FC236}">
+                <a16:creationId xmlns:a16="http://schemas.microsoft.com/office/drawing/2014/main" id="{BFD6DD7B-3198-4EC9-BD26-43770FDCC7FD}"/>
               </a:ext>
             </a:extLst>
           </p:cNvPr>
@@ -9616,47 +9651,12 @@
           </a:p>
         </p:txBody>
       </p:sp>
-      <p:sp>
-        <p:nvSpPr>
-          <p:cNvPr id="5" name="TextBox 4">
-            <a:extLst>
-              <a:ext uri="{FF2B5EF4-FFF2-40B4-BE49-F238E27FC236}">
-                <a16:creationId xmlns:a16="http://schemas.microsoft.com/office/drawing/2014/main" id="{B62093D5-3F98-4ACB-98DB-F94A32EF4558}"/>
-              </a:ext>
-            </a:extLst>
-          </p:cNvPr>
-          <p:cNvSpPr txBox="1"/>
-          <p:nvPr/>
-        </p:nvSpPr>
-        <p:spPr>
-          <a:xfrm>
-            <a:off x="618837" y="381110"/>
-            <a:ext cx="5867504" cy="400110"/>
-          </a:xfrm>
-          <a:prstGeom prst="rect">
-            <a:avLst/>
-          </a:prstGeom>
-          <a:noFill/>
-        </p:spPr>
-        <p:txBody>
-          <a:bodyPr wrap="none" rtlCol="0">
-            <a:spAutoFit/>
-          </a:bodyPr>
-          <a:lstStyle/>
-          <a:p>
-            <a:r>
-              <a:rPr lang="en-US" sz="2000" b="1" dirty="0"/>
-              <a:t>Buy and Hold “Best Places to Work” for 5 years</a:t>
-            </a:r>
-          </a:p>
-        </p:txBody>
-      </p:sp>
       <p:pic>
         <p:nvPicPr>
-          <p:cNvPr id="15" name="Picture 14" descr="A screenshot of a cell phone&#10;&#10;Description automatically generated">
-            <a:extLst>
-              <a:ext uri="{FF2B5EF4-FFF2-40B4-BE49-F238E27FC236}">
-                <a16:creationId xmlns:a16="http://schemas.microsoft.com/office/drawing/2014/main" id="{2FBAA025-C256-4D55-8B80-D2921C2EAC7F}"/>
+          <p:cNvPr id="19" name="Picture 18" descr="A screenshot of a cell phone&#10;&#10;Description automatically generated">
+            <a:extLst>
+              <a:ext uri="{FF2B5EF4-FFF2-40B4-BE49-F238E27FC236}">
+                <a16:creationId xmlns:a16="http://schemas.microsoft.com/office/drawing/2014/main" id="{62FBD926-CAC0-446D-9801-75829C9BC0F8}"/>
               </a:ext>
             </a:extLst>
           </p:cNvPr>
@@ -9673,13 +9673,13 @@
               </a:ext>
             </a:extLst>
           </a:blip>
-          <a:srcRect r="29723"/>
+          <a:srcRect r="28866"/>
           <a:stretch/>
         </p:blipFill>
         <p:spPr>
           <a:xfrm>
-            <a:off x="468782" y="983443"/>
-            <a:ext cx="6693877" cy="5715000"/>
+            <a:off x="469978" y="1011116"/>
+            <a:ext cx="6775494" cy="5715000"/>
           </a:xfrm>
           <a:prstGeom prst="rect">
             <a:avLst/>
@@ -9688,10 +9688,10 @@
       </p:pic>
       <p:pic>
         <p:nvPicPr>
-          <p:cNvPr id="16" name="Picture 15" descr="A screenshot of a cell phone&#10;&#10;Description automatically generated">
-            <a:extLst>
-              <a:ext uri="{FF2B5EF4-FFF2-40B4-BE49-F238E27FC236}">
-                <a16:creationId xmlns:a16="http://schemas.microsoft.com/office/drawing/2014/main" id="{79F694E3-92D9-419E-A25A-4C37E6C02382}"/>
+          <p:cNvPr id="22" name="Picture 21" descr="A screenshot of a cell phone&#10;&#10;Description automatically generated">
+            <a:extLst>
+              <a:ext uri="{FF2B5EF4-FFF2-40B4-BE49-F238E27FC236}">
+                <a16:creationId xmlns:a16="http://schemas.microsoft.com/office/drawing/2014/main" id="{C82EA930-DEB1-42A9-BBDB-B7957A8A5B85}"/>
               </a:ext>
             </a:extLst>
           </p:cNvPr>
@@ -9708,13 +9708,13 @@
               </a:ext>
             </a:extLst>
           </a:blip>
-          <a:srcRect l="72739" t="14895" b="74336"/>
+          <a:srcRect l="72211" t="14257" b="73897"/>
           <a:stretch/>
         </p:blipFill>
         <p:spPr>
           <a:xfrm>
-            <a:off x="4633545" y="1732085"/>
-            <a:ext cx="2596661" cy="615461"/>
+            <a:off x="4534449" y="1745273"/>
+            <a:ext cx="2646929" cy="677009"/>
           </a:xfrm>
           <a:prstGeom prst="rect">
             <a:avLst/>
@@ -9723,10 +9723,10 @@
       </p:pic>
       <p:sp>
         <p:nvSpPr>
-          <p:cNvPr id="17" name="TextBox 16">
-            <a:extLst>
-              <a:ext uri="{FF2B5EF4-FFF2-40B4-BE49-F238E27FC236}">
-                <a16:creationId xmlns:a16="http://schemas.microsoft.com/office/drawing/2014/main" id="{86CBBECD-3EC3-436F-BCA1-F568D5DA08B6}"/>
+          <p:cNvPr id="23" name="TextBox 22">
+            <a:extLst>
+              <a:ext uri="{FF2B5EF4-FFF2-40B4-BE49-F238E27FC236}">
+                <a16:creationId xmlns:a16="http://schemas.microsoft.com/office/drawing/2014/main" id="{DF2EE2DA-13EB-40C3-B04B-BF15C4B3119F}"/>
               </a:ext>
             </a:extLst>
           </p:cNvPr>
@@ -9751,17 +9751,17 @@
           <a:p>
             <a:r>
               <a:rPr lang="en-US" sz="1500" dirty="0"/>
-              <a:t>Average 5-year return</a:t>
-            </a:r>
-          </a:p>
-        </p:txBody>
-      </p:sp>
-      <p:sp>
-        <p:nvSpPr>
-          <p:cNvPr id="18" name="TextBox 17">
-            <a:extLst>
-              <a:ext uri="{FF2B5EF4-FFF2-40B4-BE49-F238E27FC236}">
-                <a16:creationId xmlns:a16="http://schemas.microsoft.com/office/drawing/2014/main" id="{9211D259-6BF5-4AEE-AD56-A1E63D3516A0}"/>
+              <a:t>Average 3-year return</a:t>
+            </a:r>
+          </a:p>
+        </p:txBody>
+      </p:sp>
+      <p:sp>
+        <p:nvSpPr>
+          <p:cNvPr id="24" name="TextBox 23">
+            <a:extLst>
+              <a:ext uri="{FF2B5EF4-FFF2-40B4-BE49-F238E27FC236}">
+                <a16:creationId xmlns:a16="http://schemas.microsoft.com/office/drawing/2014/main" id="{76806E07-1011-4929-BC66-06B0E465A378}"/>
               </a:ext>
             </a:extLst>
           </p:cNvPr>
@@ -9793,10 +9793,10 @@
       </p:sp>
       <p:sp>
         <p:nvSpPr>
-          <p:cNvPr id="19" name="TextBox 18">
-            <a:extLst>
-              <a:ext uri="{FF2B5EF4-FFF2-40B4-BE49-F238E27FC236}">
-                <a16:creationId xmlns:a16="http://schemas.microsoft.com/office/drawing/2014/main" id="{685AB9F5-971E-49F9-AB0B-CBDB9333E1F4}"/>
+          <p:cNvPr id="25" name="TextBox 24">
+            <a:extLst>
+              <a:ext uri="{FF2B5EF4-FFF2-40B4-BE49-F238E27FC236}">
+                <a16:creationId xmlns:a16="http://schemas.microsoft.com/office/drawing/2014/main" id="{48CAE47A-E127-4026-895B-C186E5990B83}"/>
               </a:ext>
             </a:extLst>
           </p:cNvPr>
@@ -9828,10 +9828,10 @@
       </p:sp>
       <p:sp>
         <p:nvSpPr>
-          <p:cNvPr id="20" name="TextBox 19">
-            <a:extLst>
-              <a:ext uri="{FF2B5EF4-FFF2-40B4-BE49-F238E27FC236}">
-                <a16:creationId xmlns:a16="http://schemas.microsoft.com/office/drawing/2014/main" id="{A0C55D09-2BE6-417B-B1DC-338B96A5ED17}"/>
+          <p:cNvPr id="26" name="TextBox 25">
+            <a:extLst>
+              <a:ext uri="{FF2B5EF4-FFF2-40B4-BE49-F238E27FC236}">
+                <a16:creationId xmlns:a16="http://schemas.microsoft.com/office/drawing/2014/main" id="{A0490094-35BC-40FA-B977-E48908D1AB6A}"/>
               </a:ext>
             </a:extLst>
           </p:cNvPr>
@@ -9857,17 +9857,17 @@
             <a:pPr algn="ctr"/>
             <a:r>
               <a:rPr lang="en-US" sz="1500" dirty="0"/>
-              <a:t>15.3%</a:t>
-            </a:r>
-          </a:p>
-        </p:txBody>
-      </p:sp>
-      <p:sp>
-        <p:nvSpPr>
-          <p:cNvPr id="21" name="TextBox 20">
-            <a:extLst>
-              <a:ext uri="{FF2B5EF4-FFF2-40B4-BE49-F238E27FC236}">
-                <a16:creationId xmlns:a16="http://schemas.microsoft.com/office/drawing/2014/main" id="{113BD930-791E-45EC-99AD-729DC4B0D8EB}"/>
+              <a:t>15.7%</a:t>
+            </a:r>
+          </a:p>
+        </p:txBody>
+      </p:sp>
+      <p:sp>
+        <p:nvSpPr>
+          <p:cNvPr id="27" name="TextBox 26">
+            <a:extLst>
+              <a:ext uri="{FF2B5EF4-FFF2-40B4-BE49-F238E27FC236}">
+                <a16:creationId xmlns:a16="http://schemas.microsoft.com/office/drawing/2014/main" id="{F369BB8D-7B04-4C29-88F7-BD2A74062E15}"/>
               </a:ext>
             </a:extLst>
           </p:cNvPr>
@@ -9893,17 +9893,17 @@
             <a:pPr algn="ctr"/>
             <a:r>
               <a:rPr lang="en-US" sz="1500" dirty="0"/>
-              <a:t>12.1%</a:t>
+              <a:t>11.2%</a:t>
             </a:r>
           </a:p>
         </p:txBody>
       </p:sp>
       <p:cxnSp>
         <p:nvCxnSpPr>
-          <p:cNvPr id="22" name="Straight Connector 21">
-            <a:extLst>
-              <a:ext uri="{FF2B5EF4-FFF2-40B4-BE49-F238E27FC236}">
-                <a16:creationId xmlns:a16="http://schemas.microsoft.com/office/drawing/2014/main" id="{412904CA-70F3-4802-9FA7-AEEBE25531ED}"/>
+          <p:cNvPr id="28" name="Straight Connector 27">
+            <a:extLst>
+              <a:ext uri="{FF2B5EF4-FFF2-40B4-BE49-F238E27FC236}">
+                <a16:creationId xmlns:a16="http://schemas.microsoft.com/office/drawing/2014/main" id="{9439E69D-EDCD-45F5-96F2-64176FD67041}"/>
               </a:ext>
             </a:extLst>
           </p:cNvPr>
@@ -9941,7 +9941,7 @@
           <p:cNvPr id="14" name="TextBox 13">
             <a:extLst>
               <a:ext uri="{FF2B5EF4-FFF2-40B4-BE49-F238E27FC236}">
-                <a16:creationId xmlns:a16="http://schemas.microsoft.com/office/drawing/2014/main" id="{40021573-8C0B-49BC-B51C-449F7015CE4C}"/>
+                <a16:creationId xmlns:a16="http://schemas.microsoft.com/office/drawing/2014/main" id="{3AEBC695-822F-4021-9031-D7854528FD9D}"/>
               </a:ext>
             </a:extLst>
           </p:cNvPr>
@@ -9974,7 +9974,7 @@
     </p:spTree>
     <p:extLst>
       <p:ext uri="{BB962C8B-B14F-4D97-AF65-F5344CB8AC3E}">
-        <p14:creationId xmlns:p14="http://schemas.microsoft.com/office/powerpoint/2010/main" val="358362748"/>
+        <p14:creationId xmlns:p14="http://schemas.microsoft.com/office/powerpoint/2010/main" val="1524853329"/>
       </p:ext>
     </p:extLst>
   </p:cSld>
@@ -10001,59 +10001,12 @@
           <a:chExt cx="0" cy="0"/>
         </a:xfrm>
       </p:grpSpPr>
-      <p:pic>
-        <p:nvPicPr>
-          <p:cNvPr id="9218" name="Picture 2">
-            <a:extLst>
-              <a:ext uri="{FF2B5EF4-FFF2-40B4-BE49-F238E27FC236}">
-                <a16:creationId xmlns:a16="http://schemas.microsoft.com/office/drawing/2014/main" id="{0B85D224-A518-440B-BB2B-D7ECD2B1FCF4}"/>
-              </a:ext>
-            </a:extLst>
-          </p:cNvPr>
-          <p:cNvPicPr>
-            <a:picLocks noChangeAspect="1" noChangeArrowheads="1"/>
-          </p:cNvPicPr>
-          <p:nvPr/>
-        </p:nvPicPr>
-        <p:blipFill>
-          <a:blip r:embed="rId2">
-            <a:extLst>
-              <a:ext uri="{28A0092B-C50C-407E-A947-70E740481C1C}">
-                <a14:useLocalDpi xmlns:a14="http://schemas.microsoft.com/office/drawing/2010/main" val="0"/>
-              </a:ext>
-            </a:extLst>
-          </a:blip>
-          <a:srcRect/>
-          <a:stretch>
-            <a:fillRect/>
-          </a:stretch>
-        </p:blipFill>
-        <p:spPr bwMode="auto">
-          <a:xfrm>
-            <a:off x="3462338" y="2019300"/>
-            <a:ext cx="3552825" cy="2552700"/>
-          </a:xfrm>
-          <a:prstGeom prst="rect">
-            <a:avLst/>
-          </a:prstGeom>
-          <a:noFill/>
-          <a:extLst>
-            <a:ext uri="{909E8E84-426E-40DD-AFC4-6F175D3DCCD1}">
-              <a14:hiddenFill xmlns:a14="http://schemas.microsoft.com/office/drawing/2010/main">
-                <a:solidFill>
-                  <a:srgbClr val="FFFFFF"/>
-                </a:solidFill>
-              </a14:hiddenFill>
-            </a:ext>
-          </a:extLst>
-        </p:spPr>
-      </p:pic>
-      <p:sp>
-        <p:nvSpPr>
-          <p:cNvPr id="5" name="Rectangle 4">
-            <a:extLst>
-              <a:ext uri="{FF2B5EF4-FFF2-40B4-BE49-F238E27FC236}">
-                <a16:creationId xmlns:a16="http://schemas.microsoft.com/office/drawing/2014/main" id="{9FF41269-7D75-41EC-AABC-01BE46562EDE}"/>
+      <p:sp>
+        <p:nvSpPr>
+          <p:cNvPr id="4" name="Rectangle 3">
+            <a:extLst>
+              <a:ext uri="{FF2B5EF4-FFF2-40B4-BE49-F238E27FC236}">
+                <a16:creationId xmlns:a16="http://schemas.microsoft.com/office/drawing/2014/main" id="{BB39241E-C531-4DF5-AC3A-8A01B2CEC086}"/>
               </a:ext>
             </a:extLst>
           </p:cNvPr>
@@ -10102,10 +10055,10 @@
       </p:sp>
       <p:sp>
         <p:nvSpPr>
-          <p:cNvPr id="6" name="TextBox 5">
-            <a:extLst>
-              <a:ext uri="{FF2B5EF4-FFF2-40B4-BE49-F238E27FC236}">
-                <a16:creationId xmlns:a16="http://schemas.microsoft.com/office/drawing/2014/main" id="{61FD368F-C250-47EE-ABE5-69E3BE77400B}"/>
+          <p:cNvPr id="5" name="TextBox 4">
+            <a:extLst>
+              <a:ext uri="{FF2B5EF4-FFF2-40B4-BE49-F238E27FC236}">
+                <a16:creationId xmlns:a16="http://schemas.microsoft.com/office/drawing/2014/main" id="{B62093D5-3F98-4ACB-98DB-F94A32EF4558}"/>
               </a:ext>
             </a:extLst>
           </p:cNvPr>
@@ -10115,7 +10068,7 @@
         <p:spPr>
           <a:xfrm>
             <a:off x="618837" y="381110"/>
-            <a:ext cx="3956532" cy="400110"/>
+            <a:ext cx="5867504" cy="400110"/>
           </a:xfrm>
           <a:prstGeom prst="rect">
             <a:avLst/>
@@ -10130,17 +10083,87 @@
           <a:p>
             <a:r>
               <a:rPr lang="en-US" sz="2000" b="1" dirty="0"/>
-              <a:t>Higher Ranking, Higher Returns</a:t>
-            </a:r>
-          </a:p>
-        </p:txBody>
-      </p:sp>
-      <p:sp>
-        <p:nvSpPr>
-          <p:cNvPr id="4" name="TextBox 3">
-            <a:extLst>
-              <a:ext uri="{FF2B5EF4-FFF2-40B4-BE49-F238E27FC236}">
-                <a16:creationId xmlns:a16="http://schemas.microsoft.com/office/drawing/2014/main" id="{B7C495E4-A557-442C-81CB-8898E502C66D}"/>
+              <a:t>Buy and Hold “Best Places to Work” for 5 years</a:t>
+            </a:r>
+          </a:p>
+        </p:txBody>
+      </p:sp>
+      <p:pic>
+        <p:nvPicPr>
+          <p:cNvPr id="15" name="Picture 14" descr="A screenshot of a cell phone&#10;&#10;Description automatically generated">
+            <a:extLst>
+              <a:ext uri="{FF2B5EF4-FFF2-40B4-BE49-F238E27FC236}">
+                <a16:creationId xmlns:a16="http://schemas.microsoft.com/office/drawing/2014/main" id="{2FBAA025-C256-4D55-8B80-D2921C2EAC7F}"/>
+              </a:ext>
+            </a:extLst>
+          </p:cNvPr>
+          <p:cNvPicPr>
+            <a:picLocks noChangeAspect="1"/>
+          </p:cNvPicPr>
+          <p:nvPr/>
+        </p:nvPicPr>
+        <p:blipFill rotWithShape="1">
+          <a:blip r:embed="rId2">
+            <a:extLst>
+              <a:ext uri="{28A0092B-C50C-407E-A947-70E740481C1C}">
+                <a14:useLocalDpi xmlns:a14="http://schemas.microsoft.com/office/drawing/2010/main" val="0"/>
+              </a:ext>
+            </a:extLst>
+          </a:blip>
+          <a:srcRect r="29723"/>
+          <a:stretch/>
+        </p:blipFill>
+        <p:spPr>
+          <a:xfrm>
+            <a:off x="468782" y="983443"/>
+            <a:ext cx="6693877" cy="5715000"/>
+          </a:xfrm>
+          <a:prstGeom prst="rect">
+            <a:avLst/>
+          </a:prstGeom>
+        </p:spPr>
+      </p:pic>
+      <p:pic>
+        <p:nvPicPr>
+          <p:cNvPr id="16" name="Picture 15" descr="A screenshot of a cell phone&#10;&#10;Description automatically generated">
+            <a:extLst>
+              <a:ext uri="{FF2B5EF4-FFF2-40B4-BE49-F238E27FC236}">
+                <a16:creationId xmlns:a16="http://schemas.microsoft.com/office/drawing/2014/main" id="{79F694E3-92D9-419E-A25A-4C37E6C02382}"/>
+              </a:ext>
+            </a:extLst>
+          </p:cNvPr>
+          <p:cNvPicPr>
+            <a:picLocks noChangeAspect="1"/>
+          </p:cNvPicPr>
+          <p:nvPr/>
+        </p:nvPicPr>
+        <p:blipFill rotWithShape="1">
+          <a:blip r:embed="rId2">
+            <a:extLst>
+              <a:ext uri="{28A0092B-C50C-407E-A947-70E740481C1C}">
+                <a14:useLocalDpi xmlns:a14="http://schemas.microsoft.com/office/drawing/2010/main" val="0"/>
+              </a:ext>
+            </a:extLst>
+          </a:blip>
+          <a:srcRect l="72739" t="14895" b="74336"/>
+          <a:stretch/>
+        </p:blipFill>
+        <p:spPr>
+          <a:xfrm>
+            <a:off x="4633545" y="1732085"/>
+            <a:ext cx="2596661" cy="615461"/>
+          </a:xfrm>
+          <a:prstGeom prst="rect">
+            <a:avLst/>
+          </a:prstGeom>
+        </p:spPr>
+      </p:pic>
+      <p:sp>
+        <p:nvSpPr>
+          <p:cNvPr id="17" name="TextBox 16">
+            <a:extLst>
+              <a:ext uri="{FF2B5EF4-FFF2-40B4-BE49-F238E27FC236}">
+                <a16:creationId xmlns:a16="http://schemas.microsoft.com/office/drawing/2014/main" id="{86CBBECD-3EC3-436F-BCA1-F568D5DA08B6}"/>
               </a:ext>
             </a:extLst>
           </p:cNvPr>
@@ -10149,8 +10172,8 @@
         </p:nvSpPr>
         <p:spPr>
           <a:xfrm>
-            <a:off x="3930162" y="4572000"/>
-            <a:ext cx="2905347" cy="369332"/>
+            <a:off x="7596386" y="2890545"/>
+            <a:ext cx="2068771" cy="323165"/>
           </a:xfrm>
           <a:prstGeom prst="rect">
             <a:avLst/>
@@ -10164,18 +10187,18 @@
           <a:lstStyle/>
           <a:p>
             <a:r>
-              <a:rPr lang="en-US" dirty="0"/>
-              <a:t>Pearson Correlation: -0.96</a:t>
-            </a:r>
-          </a:p>
-        </p:txBody>
-      </p:sp>
-      <p:sp>
-        <p:nvSpPr>
-          <p:cNvPr id="13" name="TextBox 12">
-            <a:extLst>
-              <a:ext uri="{FF2B5EF4-FFF2-40B4-BE49-F238E27FC236}">
-                <a16:creationId xmlns:a16="http://schemas.microsoft.com/office/drawing/2014/main" id="{BCC03D83-F00D-42E8-B8FF-4677A0AA8A2A}"/>
+              <a:rPr lang="en-US" sz="1500" dirty="0"/>
+              <a:t>Average 5-year return</a:t>
+            </a:r>
+          </a:p>
+        </p:txBody>
+      </p:sp>
+      <p:sp>
+        <p:nvSpPr>
+          <p:cNvPr id="18" name="TextBox 17">
+            <a:extLst>
+              <a:ext uri="{FF2B5EF4-FFF2-40B4-BE49-F238E27FC236}">
+                <a16:creationId xmlns:a16="http://schemas.microsoft.com/office/drawing/2014/main" id="{9211D259-6BF5-4AEE-AD56-A1E63D3516A0}"/>
               </a:ext>
             </a:extLst>
           </p:cNvPr>
@@ -10184,8 +10207,8 @@
         </p:nvSpPr>
         <p:spPr>
           <a:xfrm>
-            <a:off x="2129670" y="5571382"/>
-            <a:ext cx="6335389" cy="369332"/>
+            <a:off x="7596386" y="3508958"/>
+            <a:ext cx="1016625" cy="323165"/>
           </a:xfrm>
           <a:prstGeom prst="rect">
             <a:avLst/>
@@ -10199,146 +10222,188 @@
           <a:lstStyle/>
           <a:p>
             <a:r>
-              <a:rPr lang="en-US" dirty="0"/>
-              <a:t>Rank Category is negatively correlated to one-year returns.</a:t>
-            </a:r>
-          </a:p>
-        </p:txBody>
-      </p:sp>
-      <p:sp>
-        <p:nvSpPr>
-          <p:cNvPr id="12" name="Rectangle 11">
-            <a:extLst>
-              <a:ext uri="{FF2B5EF4-FFF2-40B4-BE49-F238E27FC236}">
-                <a16:creationId xmlns:a16="http://schemas.microsoft.com/office/drawing/2014/main" id="{C6E46289-81D7-4326-80B4-759FE2596694}"/>
-              </a:ext>
-            </a:extLst>
-          </p:cNvPr>
-          <p:cNvSpPr/>
+              <a:rPr lang="en-US" sz="1500" dirty="0"/>
+              <a:t>Glassdoor</a:t>
+            </a:r>
+          </a:p>
+        </p:txBody>
+      </p:sp>
+      <p:sp>
+        <p:nvSpPr>
+          <p:cNvPr id="19" name="TextBox 18">
+            <a:extLst>
+              <a:ext uri="{FF2B5EF4-FFF2-40B4-BE49-F238E27FC236}">
+                <a16:creationId xmlns:a16="http://schemas.microsoft.com/office/drawing/2014/main" id="{685AB9F5-971E-49F9-AB0B-CBDB9333E1F4}"/>
+              </a:ext>
+            </a:extLst>
+          </p:cNvPr>
+          <p:cNvSpPr txBox="1"/>
           <p:nvPr/>
         </p:nvSpPr>
         <p:spPr>
           <a:xfrm>
-            <a:off x="3719145" y="2435470"/>
-            <a:ext cx="3156441" cy="334108"/>
+            <a:off x="7677818" y="4099455"/>
+            <a:ext cx="878510" cy="323165"/>
           </a:xfrm>
           <a:prstGeom prst="rect">
             <a:avLst/>
           </a:prstGeom>
           <a:noFill/>
-          <a:ln>
-            <a:solidFill>
-              <a:srgbClr val="0070C0"/>
-            </a:solidFill>
-          </a:ln>
+        </p:spPr>
+        <p:txBody>
+          <a:bodyPr wrap="none" rtlCol="0">
+            <a:spAutoFit/>
+          </a:bodyPr>
+          <a:lstStyle/>
+          <a:p>
+            <a:r>
+              <a:rPr lang="en-US" sz="1500" dirty="0"/>
+              <a:t>S&amp;P 500</a:t>
+            </a:r>
+          </a:p>
+        </p:txBody>
+      </p:sp>
+      <p:sp>
+        <p:nvSpPr>
+          <p:cNvPr id="20" name="TextBox 19">
+            <a:extLst>
+              <a:ext uri="{FF2B5EF4-FFF2-40B4-BE49-F238E27FC236}">
+                <a16:creationId xmlns:a16="http://schemas.microsoft.com/office/drawing/2014/main" id="{A0C55D09-2BE6-417B-B1DC-338B96A5ED17}"/>
+              </a:ext>
+            </a:extLst>
+          </p:cNvPr>
+          <p:cNvSpPr txBox="1"/>
+          <p:nvPr/>
+        </p:nvSpPr>
+        <p:spPr>
+          <a:xfrm>
+            <a:off x="8750517" y="3508958"/>
+            <a:ext cx="1180131" cy="323165"/>
+          </a:xfrm>
+          <a:prstGeom prst="rect">
+            <a:avLst/>
+          </a:prstGeom>
+          <a:noFill/>
+        </p:spPr>
+        <p:txBody>
+          <a:bodyPr wrap="square" rtlCol="0">
+            <a:spAutoFit/>
+          </a:bodyPr>
+          <a:lstStyle/>
+          <a:p>
+            <a:pPr algn="ctr"/>
+            <a:r>
+              <a:rPr lang="en-US" sz="1500" dirty="0"/>
+              <a:t>15.3%</a:t>
+            </a:r>
+          </a:p>
+        </p:txBody>
+      </p:sp>
+      <p:sp>
+        <p:nvSpPr>
+          <p:cNvPr id="21" name="TextBox 20">
+            <a:extLst>
+              <a:ext uri="{FF2B5EF4-FFF2-40B4-BE49-F238E27FC236}">
+                <a16:creationId xmlns:a16="http://schemas.microsoft.com/office/drawing/2014/main" id="{113BD930-791E-45EC-99AD-729DC4B0D8EB}"/>
+              </a:ext>
+            </a:extLst>
+          </p:cNvPr>
+          <p:cNvSpPr txBox="1"/>
+          <p:nvPr/>
+        </p:nvSpPr>
+        <p:spPr>
+          <a:xfrm>
+            <a:off x="8750516" y="4099455"/>
+            <a:ext cx="1180131" cy="323165"/>
+          </a:xfrm>
+          <a:prstGeom prst="rect">
+            <a:avLst/>
+          </a:prstGeom>
+          <a:noFill/>
+        </p:spPr>
+        <p:txBody>
+          <a:bodyPr wrap="square" rtlCol="0">
+            <a:spAutoFit/>
+          </a:bodyPr>
+          <a:lstStyle/>
+          <a:p>
+            <a:pPr algn="ctr"/>
+            <a:r>
+              <a:rPr lang="en-US" sz="1500" dirty="0"/>
+              <a:t>12.1%</a:t>
+            </a:r>
+          </a:p>
+        </p:txBody>
+      </p:sp>
+      <p:cxnSp>
+        <p:nvCxnSpPr>
+          <p:cNvPr id="22" name="Straight Connector 21">
+            <a:extLst>
+              <a:ext uri="{FF2B5EF4-FFF2-40B4-BE49-F238E27FC236}">
+                <a16:creationId xmlns:a16="http://schemas.microsoft.com/office/drawing/2014/main" id="{412904CA-70F3-4802-9FA7-AEEBE25531ED}"/>
+              </a:ext>
+            </a:extLst>
+          </p:cNvPr>
+          <p:cNvCxnSpPr>
+            <a:cxnSpLocks/>
+          </p:cNvCxnSpPr>
+          <p:nvPr/>
+        </p:nvCxnSpPr>
+        <p:spPr>
+          <a:xfrm>
+            <a:off x="7541708" y="3319098"/>
+            <a:ext cx="2178125" cy="0"/>
+          </a:xfrm>
+          <a:prstGeom prst="line">
+            <a:avLst/>
+          </a:prstGeom>
         </p:spPr>
         <p:style>
-          <a:lnRef idx="2">
-            <a:schemeClr val="accent1">
-              <a:shade val="50000"/>
-            </a:schemeClr>
+          <a:lnRef idx="1">
+            <a:schemeClr val="accent1"/>
           </a:lnRef>
-          <a:fillRef idx="1">
+          <a:fillRef idx="0">
             <a:schemeClr val="accent1"/>
           </a:fillRef>
           <a:effectRef idx="0">
             <a:schemeClr val="accent1"/>
           </a:effectRef>
           <a:fontRef idx="minor">
-            <a:schemeClr val="lt1"/>
+            <a:schemeClr val="tx1"/>
           </a:fontRef>
         </p:style>
-        <p:txBody>
-          <a:bodyPr rtlCol="0" anchor="ctr"/>
-          <a:lstStyle/>
-          <a:p>
-            <a:pPr algn="ctr"/>
-            <a:endParaRPr lang="en-US"/>
-          </a:p>
-        </p:txBody>
-      </p:sp>
-      <p:sp>
-        <p:nvSpPr>
-          <p:cNvPr id="14" name="Star: 5 Points 13">
-            <a:extLst>
-              <a:ext uri="{FF2B5EF4-FFF2-40B4-BE49-F238E27FC236}">
-                <a16:creationId xmlns:a16="http://schemas.microsoft.com/office/drawing/2014/main" id="{216C379B-0DD3-4937-9873-5636A173B9B0}"/>
-              </a:ext>
-            </a:extLst>
-          </p:cNvPr>
-          <p:cNvSpPr/>
+      </p:cxnSp>
+      <p:sp>
+        <p:nvSpPr>
+          <p:cNvPr id="14" name="TextBox 13">
+            <a:extLst>
+              <a:ext uri="{FF2B5EF4-FFF2-40B4-BE49-F238E27FC236}">
+                <a16:creationId xmlns:a16="http://schemas.microsoft.com/office/drawing/2014/main" id="{40021573-8C0B-49BC-B51C-449F7015CE4C}"/>
+              </a:ext>
+            </a:extLst>
+          </p:cNvPr>
+          <p:cNvSpPr txBox="1"/>
           <p:nvPr/>
         </p:nvSpPr>
         <p:spPr>
           <a:xfrm>
-            <a:off x="3854195" y="2519951"/>
-            <a:ext cx="151934" cy="165145"/>
-          </a:xfrm>
-          <a:prstGeom prst="star5">
+            <a:off x="396575" y="6262273"/>
+            <a:ext cx="2986459" cy="276999"/>
+          </a:xfrm>
+          <a:prstGeom prst="rect">
             <a:avLst/>
           </a:prstGeom>
           <a:noFill/>
-          <a:ln>
-            <a:solidFill>
-              <a:srgbClr val="0070C0"/>
-            </a:solidFill>
-          </a:ln>
-        </p:spPr>
-        <p:style>
-          <a:lnRef idx="2">
-            <a:schemeClr val="accent1">
-              <a:shade val="50000"/>
-            </a:schemeClr>
-          </a:lnRef>
-          <a:fillRef idx="1">
-            <a:schemeClr val="accent1"/>
-          </a:fillRef>
-          <a:effectRef idx="0">
-            <a:schemeClr val="accent1"/>
-          </a:effectRef>
-          <a:fontRef idx="minor">
-            <a:schemeClr val="lt1"/>
-          </a:fontRef>
-        </p:style>
-        <p:txBody>
-          <a:bodyPr rtlCol="0" anchor="ctr"/>
-          <a:lstStyle/>
-          <a:p>
-            <a:pPr algn="ctr"/>
-            <a:endParaRPr lang="en-US"/>
-          </a:p>
-        </p:txBody>
-      </p:sp>
-      <p:sp>
-        <p:nvSpPr>
-          <p:cNvPr id="15" name="Rectangle 14">
-            <a:extLst>
-              <a:ext uri="{FF2B5EF4-FFF2-40B4-BE49-F238E27FC236}">
-                <a16:creationId xmlns:a16="http://schemas.microsoft.com/office/drawing/2014/main" id="{64D65E2B-3610-4595-BCDE-84639024D5AE}"/>
-              </a:ext>
-            </a:extLst>
-          </p:cNvPr>
-          <p:cNvSpPr/>
-          <p:nvPr/>
-        </p:nvSpPr>
-        <p:spPr>
-          <a:xfrm>
-            <a:off x="816102" y="1286618"/>
-            <a:ext cx="8845295" cy="369332"/>
-          </a:xfrm>
-          <a:prstGeom prst="rect">
-            <a:avLst/>
-          </a:prstGeom>
-        </p:spPr>
-        <p:txBody>
-          <a:bodyPr wrap="square">
+        </p:spPr>
+        <p:txBody>
+          <a:bodyPr wrap="none" rtlCol="0">
             <a:spAutoFit/>
           </a:bodyPr>
           <a:lstStyle/>
           <a:p>
             <a:r>
-              <a:rPr lang="en-US" dirty="0"/>
-              <a:t>Higher Ranking Companies may have better returns than lower ranking companies.</a:t>
+              <a:rPr lang="en-US" sz="1200" dirty="0"/>
+              <a:t>*Dec 2008 – Dec 2018 Annualized Returns</a:t>
             </a:r>
           </a:p>
         </p:txBody>
@@ -10346,7 +10411,7 @@
     </p:spTree>
     <p:extLst>
       <p:ext uri="{BB962C8B-B14F-4D97-AF65-F5344CB8AC3E}">
-        <p14:creationId xmlns:p14="http://schemas.microsoft.com/office/powerpoint/2010/main" val="1411509257"/>
+        <p14:creationId xmlns:p14="http://schemas.microsoft.com/office/powerpoint/2010/main" val="358362748"/>
       </p:ext>
     </p:extLst>
   </p:cSld>
@@ -10387,7 +10452,7 @@
         </p:nvSpPr>
         <p:spPr>
           <a:xfrm>
-            <a:off x="2036014" y="1691641"/>
+            <a:off x="2036014" y="1429606"/>
             <a:ext cx="6031625" cy="1470073"/>
           </a:xfrm>
           <a:prstGeom prst="rect">
@@ -10526,7 +10591,7 @@
         </p:nvSpPr>
         <p:spPr>
           <a:xfrm>
-            <a:off x="1818981" y="2003760"/>
+            <a:off x="1818981" y="1741725"/>
             <a:ext cx="6465690" cy="800219"/>
           </a:xfrm>
           <a:prstGeom prst="rect">
@@ -10593,7 +10658,7 @@
         </p:nvSpPr>
         <p:spPr>
           <a:xfrm>
-            <a:off x="1818981" y="3923115"/>
+            <a:off x="1818981" y="3794779"/>
             <a:ext cx="6465690" cy="369332"/>
           </a:xfrm>
           <a:prstGeom prst="rect">
@@ -10633,7 +10698,7 @@
         </p:nvSpPr>
         <p:spPr>
           <a:xfrm>
-            <a:off x="2383468" y="4608899"/>
+            <a:off x="2383468" y="4417496"/>
             <a:ext cx="5336718" cy="369332"/>
           </a:xfrm>
           <a:prstGeom prst="rect">
@@ -10672,8 +10737,8 @@
         </p:nvSpPr>
         <p:spPr>
           <a:xfrm>
-            <a:off x="2036014" y="3701591"/>
-            <a:ext cx="6031625" cy="1470073"/>
+            <a:off x="2036014" y="3509413"/>
+            <a:ext cx="6031625" cy="2554830"/>
           </a:xfrm>
           <a:prstGeom prst="rect">
             <a:avLst/>
@@ -10707,6 +10772,56 @@
           <a:p>
             <a:pPr algn="ctr"/>
             <a:endParaRPr lang="en-US"/>
+          </a:p>
+        </p:txBody>
+      </p:sp>
+      <p:sp>
+        <p:nvSpPr>
+          <p:cNvPr id="9" name="Rectangle 8">
+            <a:extLst>
+              <a:ext uri="{FF2B5EF4-FFF2-40B4-BE49-F238E27FC236}">
+                <a16:creationId xmlns:a16="http://schemas.microsoft.com/office/drawing/2014/main" id="{D277F863-6727-45C9-AEDA-A9FE360D8DDB}"/>
+              </a:ext>
+            </a:extLst>
+          </p:cNvPr>
+          <p:cNvSpPr/>
+          <p:nvPr/>
+        </p:nvSpPr>
+        <p:spPr>
+          <a:xfrm>
+            <a:off x="2455616" y="5040214"/>
+            <a:ext cx="5192447" cy="800219"/>
+          </a:xfrm>
+          <a:prstGeom prst="rect">
+            <a:avLst/>
+          </a:prstGeom>
+        </p:spPr>
+        <p:txBody>
+          <a:bodyPr wrap="none">
+            <a:spAutoFit/>
+          </a:bodyPr>
+          <a:lstStyle/>
+          <a:p>
+            <a:pPr algn="ctr">
+              <a:spcBef>
+                <a:spcPts val="1200"/>
+              </a:spcBef>
+            </a:pPr>
+            <a:r>
+              <a:rPr lang="en-US" dirty="0"/>
+              <a:t>Unemployed: Look for great culture, benefits &amp; </a:t>
+            </a:r>
+          </a:p>
+          <a:p>
+            <a:pPr algn="ctr">
+              <a:spcBef>
+                <a:spcPts val="1200"/>
+              </a:spcBef>
+            </a:pPr>
+            <a:r>
+              <a:rPr lang="en-US" dirty="0"/>
+              <a:t>‘Work – Life – Balance’</a:t>
+            </a:r>
           </a:p>
         </p:txBody>
       </p:sp>
@@ -12876,47 +12991,59 @@
           <a:chExt cx="0" cy="0"/>
         </a:xfrm>
       </p:grpSpPr>
-      <p:sp>
-        <p:nvSpPr>
-          <p:cNvPr id="7" name="TextBox 6">
-            <a:extLst>
-              <a:ext uri="{FF2B5EF4-FFF2-40B4-BE49-F238E27FC236}">
-                <a16:creationId xmlns:a16="http://schemas.microsoft.com/office/drawing/2014/main" id="{092270C7-5432-4D64-8806-68D16E693558}"/>
-              </a:ext>
-            </a:extLst>
-          </p:cNvPr>
-          <p:cNvSpPr txBox="1"/>
+      <p:pic>
+        <p:nvPicPr>
+          <p:cNvPr id="9218" name="Picture 2">
+            <a:extLst>
+              <a:ext uri="{FF2B5EF4-FFF2-40B4-BE49-F238E27FC236}">
+                <a16:creationId xmlns:a16="http://schemas.microsoft.com/office/drawing/2014/main" id="{0B85D224-A518-440B-BB2B-D7ECD2B1FCF4}"/>
+              </a:ext>
+            </a:extLst>
+          </p:cNvPr>
+          <p:cNvPicPr>
+            <a:picLocks noChangeAspect="1" noChangeArrowheads="1"/>
+          </p:cNvPicPr>
           <p:nvPr/>
-        </p:nvSpPr>
-        <p:spPr>
-          <a:xfrm>
-            <a:off x="618837" y="381110"/>
-            <a:ext cx="5867504" cy="400110"/>
+        </p:nvPicPr>
+        <p:blipFill>
+          <a:blip r:embed="rId2">
+            <a:extLst>
+              <a:ext uri="{28A0092B-C50C-407E-A947-70E740481C1C}">
+                <a14:useLocalDpi xmlns:a14="http://schemas.microsoft.com/office/drawing/2010/main" val="0"/>
+              </a:ext>
+            </a:extLst>
+          </a:blip>
+          <a:srcRect/>
+          <a:stretch>
+            <a:fillRect/>
+          </a:stretch>
+        </p:blipFill>
+        <p:spPr bwMode="auto">
+          <a:xfrm>
+            <a:off x="3462338" y="2019300"/>
+            <a:ext cx="3552825" cy="2552700"/>
           </a:xfrm>
           <a:prstGeom prst="rect">
             <a:avLst/>
           </a:prstGeom>
           <a:noFill/>
-        </p:spPr>
-        <p:txBody>
-          <a:bodyPr wrap="none" rtlCol="0">
-            <a:spAutoFit/>
-          </a:bodyPr>
-          <a:lstStyle/>
-          <a:p>
-            <a:r>
-              <a:rPr lang="en-US" sz="2000" b="1" dirty="0"/>
-              <a:t>Buy and Hold “Best Places to Work” for 3 years</a:t>
-            </a:r>
-          </a:p>
-        </p:txBody>
-      </p:sp>
-      <p:sp>
-        <p:nvSpPr>
-          <p:cNvPr id="8" name="Rectangle 7">
-            <a:extLst>
-              <a:ext uri="{FF2B5EF4-FFF2-40B4-BE49-F238E27FC236}">
-                <a16:creationId xmlns:a16="http://schemas.microsoft.com/office/drawing/2014/main" id="{BFD6DD7B-3198-4EC9-BD26-43770FDCC7FD}"/>
+          <a:extLst>
+            <a:ext uri="{909E8E84-426E-40DD-AFC4-6F175D3DCCD1}">
+              <a14:hiddenFill xmlns:a14="http://schemas.microsoft.com/office/drawing/2010/main">
+                <a:solidFill>
+                  <a:srgbClr val="FFFFFF"/>
+                </a:solidFill>
+              </a14:hiddenFill>
+            </a:ext>
+          </a:extLst>
+        </p:spPr>
+      </p:pic>
+      <p:sp>
+        <p:nvSpPr>
+          <p:cNvPr id="5" name="Rectangle 4">
+            <a:extLst>
+              <a:ext uri="{FF2B5EF4-FFF2-40B4-BE49-F238E27FC236}">
+                <a16:creationId xmlns:a16="http://schemas.microsoft.com/office/drawing/2014/main" id="{9FF41269-7D75-41EC-AABC-01BE46562EDE}"/>
               </a:ext>
             </a:extLst>
           </p:cNvPr>
@@ -12963,82 +13090,12 @@
           </a:p>
         </p:txBody>
       </p:sp>
-      <p:pic>
-        <p:nvPicPr>
-          <p:cNvPr id="19" name="Picture 18" descr="A screenshot of a cell phone&#10;&#10;Description automatically generated">
-            <a:extLst>
-              <a:ext uri="{FF2B5EF4-FFF2-40B4-BE49-F238E27FC236}">
-                <a16:creationId xmlns:a16="http://schemas.microsoft.com/office/drawing/2014/main" id="{62FBD926-CAC0-446D-9801-75829C9BC0F8}"/>
-              </a:ext>
-            </a:extLst>
-          </p:cNvPr>
-          <p:cNvPicPr>
-            <a:picLocks noChangeAspect="1"/>
-          </p:cNvPicPr>
-          <p:nvPr/>
-        </p:nvPicPr>
-        <p:blipFill rotWithShape="1">
-          <a:blip r:embed="rId2">
-            <a:extLst>
-              <a:ext uri="{28A0092B-C50C-407E-A947-70E740481C1C}">
-                <a14:useLocalDpi xmlns:a14="http://schemas.microsoft.com/office/drawing/2010/main" val="0"/>
-              </a:ext>
-            </a:extLst>
-          </a:blip>
-          <a:srcRect r="28866"/>
-          <a:stretch/>
-        </p:blipFill>
-        <p:spPr>
-          <a:xfrm>
-            <a:off x="469978" y="1011116"/>
-            <a:ext cx="6775494" cy="5715000"/>
-          </a:xfrm>
-          <a:prstGeom prst="rect">
-            <a:avLst/>
-          </a:prstGeom>
-        </p:spPr>
-      </p:pic>
-      <p:pic>
-        <p:nvPicPr>
-          <p:cNvPr id="22" name="Picture 21" descr="A screenshot of a cell phone&#10;&#10;Description automatically generated">
-            <a:extLst>
-              <a:ext uri="{FF2B5EF4-FFF2-40B4-BE49-F238E27FC236}">
-                <a16:creationId xmlns:a16="http://schemas.microsoft.com/office/drawing/2014/main" id="{C82EA930-DEB1-42A9-BBDB-B7957A8A5B85}"/>
-              </a:ext>
-            </a:extLst>
-          </p:cNvPr>
-          <p:cNvPicPr>
-            <a:picLocks noChangeAspect="1"/>
-          </p:cNvPicPr>
-          <p:nvPr/>
-        </p:nvPicPr>
-        <p:blipFill rotWithShape="1">
-          <a:blip r:embed="rId2">
-            <a:extLst>
-              <a:ext uri="{28A0092B-C50C-407E-A947-70E740481C1C}">
-                <a14:useLocalDpi xmlns:a14="http://schemas.microsoft.com/office/drawing/2010/main" val="0"/>
-              </a:ext>
-            </a:extLst>
-          </a:blip>
-          <a:srcRect l="72211" t="14257" b="73897"/>
-          <a:stretch/>
-        </p:blipFill>
-        <p:spPr>
-          <a:xfrm>
-            <a:off x="4534449" y="1745273"/>
-            <a:ext cx="2646929" cy="677009"/>
-          </a:xfrm>
-          <a:prstGeom prst="rect">
-            <a:avLst/>
-          </a:prstGeom>
-        </p:spPr>
-      </p:pic>
-      <p:sp>
-        <p:nvSpPr>
-          <p:cNvPr id="23" name="TextBox 22">
-            <a:extLst>
-              <a:ext uri="{FF2B5EF4-FFF2-40B4-BE49-F238E27FC236}">
-                <a16:creationId xmlns:a16="http://schemas.microsoft.com/office/drawing/2014/main" id="{DF2EE2DA-13EB-40C3-B04B-BF15C4B3119F}"/>
+      <p:sp>
+        <p:nvSpPr>
+          <p:cNvPr id="6" name="TextBox 5">
+            <a:extLst>
+              <a:ext uri="{FF2B5EF4-FFF2-40B4-BE49-F238E27FC236}">
+                <a16:creationId xmlns:a16="http://schemas.microsoft.com/office/drawing/2014/main" id="{61FD368F-C250-47EE-ABE5-69E3BE77400B}"/>
               </a:ext>
             </a:extLst>
           </p:cNvPr>
@@ -13047,8 +13104,8 @@
         </p:nvSpPr>
         <p:spPr>
           <a:xfrm>
-            <a:off x="7596386" y="2890545"/>
-            <a:ext cx="2068771" cy="323165"/>
+            <a:off x="618837" y="381110"/>
+            <a:ext cx="3956532" cy="400110"/>
           </a:xfrm>
           <a:prstGeom prst="rect">
             <a:avLst/>
@@ -13062,18 +13119,18 @@
           <a:lstStyle/>
           <a:p>
             <a:r>
-              <a:rPr lang="en-US" sz="1500" dirty="0"/>
-              <a:t>Average 3-year return</a:t>
-            </a:r>
-          </a:p>
-        </p:txBody>
-      </p:sp>
-      <p:sp>
-        <p:nvSpPr>
-          <p:cNvPr id="24" name="TextBox 23">
-            <a:extLst>
-              <a:ext uri="{FF2B5EF4-FFF2-40B4-BE49-F238E27FC236}">
-                <a16:creationId xmlns:a16="http://schemas.microsoft.com/office/drawing/2014/main" id="{76806E07-1011-4929-BC66-06B0E465A378}"/>
+              <a:rPr lang="en-US" sz="2000" b="1" dirty="0"/>
+              <a:t>Higher Ranking, Higher Returns</a:t>
+            </a:r>
+          </a:p>
+        </p:txBody>
+      </p:sp>
+      <p:sp>
+        <p:nvSpPr>
+          <p:cNvPr id="4" name="TextBox 3">
+            <a:extLst>
+              <a:ext uri="{FF2B5EF4-FFF2-40B4-BE49-F238E27FC236}">
+                <a16:creationId xmlns:a16="http://schemas.microsoft.com/office/drawing/2014/main" id="{B7C495E4-A557-442C-81CB-8898E502C66D}"/>
               </a:ext>
             </a:extLst>
           </p:cNvPr>
@@ -13082,8 +13139,8 @@
         </p:nvSpPr>
         <p:spPr>
           <a:xfrm>
-            <a:off x="7596386" y="3508958"/>
-            <a:ext cx="1016625" cy="323165"/>
+            <a:off x="3930162" y="4572000"/>
+            <a:ext cx="2905347" cy="369332"/>
           </a:xfrm>
           <a:prstGeom prst="rect">
             <a:avLst/>
@@ -13097,18 +13154,18 @@
           <a:lstStyle/>
           <a:p>
             <a:r>
-              <a:rPr lang="en-US" sz="1500" dirty="0"/>
-              <a:t>Glassdoor</a:t>
-            </a:r>
-          </a:p>
-        </p:txBody>
-      </p:sp>
-      <p:sp>
-        <p:nvSpPr>
-          <p:cNvPr id="25" name="TextBox 24">
-            <a:extLst>
-              <a:ext uri="{FF2B5EF4-FFF2-40B4-BE49-F238E27FC236}">
-                <a16:creationId xmlns:a16="http://schemas.microsoft.com/office/drawing/2014/main" id="{48CAE47A-E127-4026-895B-C186E5990B83}"/>
+              <a:rPr lang="en-US" dirty="0"/>
+              <a:t>Pearson Correlation: -0.96</a:t>
+            </a:r>
+          </a:p>
+        </p:txBody>
+      </p:sp>
+      <p:sp>
+        <p:nvSpPr>
+          <p:cNvPr id="13" name="TextBox 12">
+            <a:extLst>
+              <a:ext uri="{FF2B5EF4-FFF2-40B4-BE49-F238E27FC236}">
+                <a16:creationId xmlns:a16="http://schemas.microsoft.com/office/drawing/2014/main" id="{BCC03D83-F00D-42E8-B8FF-4677A0AA8A2A}"/>
               </a:ext>
             </a:extLst>
           </p:cNvPr>
@@ -13117,8 +13174,8 @@
         </p:nvSpPr>
         <p:spPr>
           <a:xfrm>
-            <a:off x="7677818" y="4099455"/>
-            <a:ext cx="878510" cy="323165"/>
+            <a:off x="2129670" y="5571382"/>
+            <a:ext cx="6335389" cy="369332"/>
           </a:xfrm>
           <a:prstGeom prst="rect">
             <a:avLst/>
@@ -13132,153 +13189,146 @@
           <a:lstStyle/>
           <a:p>
             <a:r>
-              <a:rPr lang="en-US" sz="1500" dirty="0"/>
-              <a:t>S&amp;P 500</a:t>
-            </a:r>
-          </a:p>
-        </p:txBody>
-      </p:sp>
-      <p:sp>
-        <p:nvSpPr>
-          <p:cNvPr id="26" name="TextBox 25">
-            <a:extLst>
-              <a:ext uri="{FF2B5EF4-FFF2-40B4-BE49-F238E27FC236}">
-                <a16:creationId xmlns:a16="http://schemas.microsoft.com/office/drawing/2014/main" id="{A0490094-35BC-40FA-B977-E48908D1AB6A}"/>
-              </a:ext>
-            </a:extLst>
-          </p:cNvPr>
-          <p:cNvSpPr txBox="1"/>
+              <a:rPr lang="en-US" dirty="0"/>
+              <a:t>Rank Category is negatively correlated to one-year returns.</a:t>
+            </a:r>
+          </a:p>
+        </p:txBody>
+      </p:sp>
+      <p:sp>
+        <p:nvSpPr>
+          <p:cNvPr id="12" name="Rectangle 11">
+            <a:extLst>
+              <a:ext uri="{FF2B5EF4-FFF2-40B4-BE49-F238E27FC236}">
+                <a16:creationId xmlns:a16="http://schemas.microsoft.com/office/drawing/2014/main" id="{C6E46289-81D7-4326-80B4-759FE2596694}"/>
+              </a:ext>
+            </a:extLst>
+          </p:cNvPr>
+          <p:cNvSpPr/>
           <p:nvPr/>
         </p:nvSpPr>
         <p:spPr>
           <a:xfrm>
-            <a:off x="8750517" y="3508958"/>
-            <a:ext cx="1180131" cy="323165"/>
+            <a:off x="3719145" y="2435470"/>
+            <a:ext cx="3156441" cy="334108"/>
           </a:xfrm>
           <a:prstGeom prst="rect">
             <a:avLst/>
           </a:prstGeom>
           <a:noFill/>
-        </p:spPr>
-        <p:txBody>
-          <a:bodyPr wrap="square" rtlCol="0">
-            <a:spAutoFit/>
-          </a:bodyPr>
-          <a:lstStyle/>
-          <a:p>
-            <a:pPr algn="ctr"/>
-            <a:r>
-              <a:rPr lang="en-US" sz="1500" dirty="0"/>
-              <a:t>15.7%</a:t>
-            </a:r>
-          </a:p>
-        </p:txBody>
-      </p:sp>
-      <p:sp>
-        <p:nvSpPr>
-          <p:cNvPr id="27" name="TextBox 26">
-            <a:extLst>
-              <a:ext uri="{FF2B5EF4-FFF2-40B4-BE49-F238E27FC236}">
-                <a16:creationId xmlns:a16="http://schemas.microsoft.com/office/drawing/2014/main" id="{F369BB8D-7B04-4C29-88F7-BD2A74062E15}"/>
-              </a:ext>
-            </a:extLst>
-          </p:cNvPr>
-          <p:cNvSpPr txBox="1"/>
-          <p:nvPr/>
-        </p:nvSpPr>
-        <p:spPr>
-          <a:xfrm>
-            <a:off x="8750516" y="4099455"/>
-            <a:ext cx="1180131" cy="323165"/>
-          </a:xfrm>
-          <a:prstGeom prst="rect">
-            <a:avLst/>
-          </a:prstGeom>
-          <a:noFill/>
-        </p:spPr>
-        <p:txBody>
-          <a:bodyPr wrap="square" rtlCol="0">
-            <a:spAutoFit/>
-          </a:bodyPr>
-          <a:lstStyle/>
-          <a:p>
-            <a:pPr algn="ctr"/>
-            <a:r>
-              <a:rPr lang="en-US" sz="1500" dirty="0"/>
-              <a:t>11.2%</a:t>
-            </a:r>
-          </a:p>
-        </p:txBody>
-      </p:sp>
-      <p:cxnSp>
-        <p:nvCxnSpPr>
-          <p:cNvPr id="28" name="Straight Connector 27">
-            <a:extLst>
-              <a:ext uri="{FF2B5EF4-FFF2-40B4-BE49-F238E27FC236}">
-                <a16:creationId xmlns:a16="http://schemas.microsoft.com/office/drawing/2014/main" id="{9439E69D-EDCD-45F5-96F2-64176FD67041}"/>
-              </a:ext>
-            </a:extLst>
-          </p:cNvPr>
-          <p:cNvCxnSpPr>
-            <a:cxnSpLocks/>
-          </p:cNvCxnSpPr>
-          <p:nvPr/>
-        </p:nvCxnSpPr>
-        <p:spPr>
-          <a:xfrm>
-            <a:off x="7541708" y="3319098"/>
-            <a:ext cx="2178125" cy="0"/>
-          </a:xfrm>
-          <a:prstGeom prst="line">
-            <a:avLst/>
-          </a:prstGeom>
+          <a:ln>
+            <a:solidFill>
+              <a:srgbClr val="0070C0"/>
+            </a:solidFill>
+          </a:ln>
         </p:spPr>
         <p:style>
-          <a:lnRef idx="1">
-            <a:schemeClr val="accent1"/>
+          <a:lnRef idx="2">
+            <a:schemeClr val="accent1">
+              <a:shade val="50000"/>
+            </a:schemeClr>
           </a:lnRef>
-          <a:fillRef idx="0">
+          <a:fillRef idx="1">
             <a:schemeClr val="accent1"/>
           </a:fillRef>
           <a:effectRef idx="0">
             <a:schemeClr val="accent1"/>
           </a:effectRef>
           <a:fontRef idx="minor">
-            <a:schemeClr val="tx1"/>
+            <a:schemeClr val="lt1"/>
           </a:fontRef>
         </p:style>
-      </p:cxnSp>
-      <p:sp>
-        <p:nvSpPr>
-          <p:cNvPr id="14" name="TextBox 13">
-            <a:extLst>
-              <a:ext uri="{FF2B5EF4-FFF2-40B4-BE49-F238E27FC236}">
-                <a16:creationId xmlns:a16="http://schemas.microsoft.com/office/drawing/2014/main" id="{3AEBC695-822F-4021-9031-D7854528FD9D}"/>
-              </a:ext>
-            </a:extLst>
-          </p:cNvPr>
-          <p:cNvSpPr txBox="1"/>
+        <p:txBody>
+          <a:bodyPr rtlCol="0" anchor="ctr"/>
+          <a:lstStyle/>
+          <a:p>
+            <a:pPr algn="ctr"/>
+            <a:endParaRPr lang="en-US"/>
+          </a:p>
+        </p:txBody>
+      </p:sp>
+      <p:sp>
+        <p:nvSpPr>
+          <p:cNvPr id="14" name="Star: 5 Points 13">
+            <a:extLst>
+              <a:ext uri="{FF2B5EF4-FFF2-40B4-BE49-F238E27FC236}">
+                <a16:creationId xmlns:a16="http://schemas.microsoft.com/office/drawing/2014/main" id="{216C379B-0DD3-4937-9873-5636A173B9B0}"/>
+              </a:ext>
+            </a:extLst>
+          </p:cNvPr>
+          <p:cNvSpPr/>
           <p:nvPr/>
         </p:nvSpPr>
         <p:spPr>
           <a:xfrm>
-            <a:off x="396575" y="6262273"/>
-            <a:ext cx="2986459" cy="276999"/>
+            <a:off x="3854195" y="2519951"/>
+            <a:ext cx="151934" cy="165145"/>
+          </a:xfrm>
+          <a:prstGeom prst="star5">
+            <a:avLst/>
+          </a:prstGeom>
+          <a:noFill/>
+          <a:ln>
+            <a:solidFill>
+              <a:srgbClr val="0070C0"/>
+            </a:solidFill>
+          </a:ln>
+        </p:spPr>
+        <p:style>
+          <a:lnRef idx="2">
+            <a:schemeClr val="accent1">
+              <a:shade val="50000"/>
+            </a:schemeClr>
+          </a:lnRef>
+          <a:fillRef idx="1">
+            <a:schemeClr val="accent1"/>
+          </a:fillRef>
+          <a:effectRef idx="0">
+            <a:schemeClr val="accent1"/>
+          </a:effectRef>
+          <a:fontRef idx="minor">
+            <a:schemeClr val="lt1"/>
+          </a:fontRef>
+        </p:style>
+        <p:txBody>
+          <a:bodyPr rtlCol="0" anchor="ctr"/>
+          <a:lstStyle/>
+          <a:p>
+            <a:pPr algn="ctr"/>
+            <a:endParaRPr lang="en-US"/>
+          </a:p>
+        </p:txBody>
+      </p:sp>
+      <p:sp>
+        <p:nvSpPr>
+          <p:cNvPr id="15" name="Rectangle 14">
+            <a:extLst>
+              <a:ext uri="{FF2B5EF4-FFF2-40B4-BE49-F238E27FC236}">
+                <a16:creationId xmlns:a16="http://schemas.microsoft.com/office/drawing/2014/main" id="{64D65E2B-3610-4595-BCDE-84639024D5AE}"/>
+              </a:ext>
+            </a:extLst>
+          </p:cNvPr>
+          <p:cNvSpPr/>
+          <p:nvPr/>
+        </p:nvSpPr>
+        <p:spPr>
+          <a:xfrm>
+            <a:off x="816102" y="1286618"/>
+            <a:ext cx="8845295" cy="369332"/>
           </a:xfrm>
           <a:prstGeom prst="rect">
             <a:avLst/>
           </a:prstGeom>
-          <a:noFill/>
-        </p:spPr>
-        <p:txBody>
-          <a:bodyPr wrap="none" rtlCol="0">
+        </p:spPr>
+        <p:txBody>
+          <a:bodyPr wrap="square">
             <a:spAutoFit/>
           </a:bodyPr>
           <a:lstStyle/>
           <a:p>
             <a:r>
-              <a:rPr lang="en-US" sz="1200" dirty="0"/>
-              <a:t>*Dec 2008 – Dec 2018 Annualized Returns</a:t>
+              <a:rPr lang="en-US" dirty="0"/>
+              <a:t>Higher Ranking Companies may have better returns than lower ranking companies.</a:t>
             </a:r>
           </a:p>
         </p:txBody>
@@ -13286,7 +13336,7 @@
     </p:spTree>
     <p:extLst>
       <p:ext uri="{BB962C8B-B14F-4D97-AF65-F5344CB8AC3E}">
-        <p14:creationId xmlns:p14="http://schemas.microsoft.com/office/powerpoint/2010/main" val="1524853329"/>
+        <p14:creationId xmlns:p14="http://schemas.microsoft.com/office/powerpoint/2010/main" val="474595172"/>
       </p:ext>
     </p:extLst>
   </p:cSld>

--- a/Glassdoor Presentation.pptx
+++ b/Glassdoor Presentation.pptx
@@ -846,7 +846,7 @@
           <a:p>
             <a:fld id="{05A061D8-88AA-45DE-B5D1-C0571CF3170B}" type="datetimeFigureOut">
               <a:rPr lang="en-US" smtClean="0"/>
-              <a:t>10/14/2019</a:t>
+              <a:t>10/19/2019</a:t>
             </a:fld>
             <a:endParaRPr lang="en-US"/>
           </a:p>
@@ -1097,7 +1097,7 @@
           <a:p>
             <a:fld id="{05A061D8-88AA-45DE-B5D1-C0571CF3170B}" type="datetimeFigureOut">
               <a:rPr lang="en-US" smtClean="0"/>
-              <a:t>10/14/2019</a:t>
+              <a:t>10/19/2019</a:t>
             </a:fld>
             <a:endParaRPr lang="en-US"/>
           </a:p>
@@ -1411,7 +1411,7 @@
           <a:p>
             <a:fld id="{05A061D8-88AA-45DE-B5D1-C0571CF3170B}" type="datetimeFigureOut">
               <a:rPr lang="en-US" smtClean="0"/>
-              <a:t>10/14/2019</a:t>
+              <a:t>10/19/2019</a:t>
             </a:fld>
             <a:endParaRPr lang="en-US"/>
           </a:p>
@@ -1752,7 +1752,7 @@
           <a:p>
             <a:fld id="{05A061D8-88AA-45DE-B5D1-C0571CF3170B}" type="datetimeFigureOut">
               <a:rPr lang="en-US" smtClean="0"/>
-              <a:t>10/14/2019</a:t>
+              <a:t>10/19/2019</a:t>
             </a:fld>
             <a:endParaRPr lang="en-US"/>
           </a:p>
@@ -2066,7 +2066,7 @@
           <a:p>
             <a:fld id="{05A061D8-88AA-45DE-B5D1-C0571CF3170B}" type="datetimeFigureOut">
               <a:rPr lang="en-US" smtClean="0"/>
-              <a:t>10/14/2019</a:t>
+              <a:t>10/19/2019</a:t>
             </a:fld>
             <a:endParaRPr lang="en-US"/>
           </a:p>
@@ -2459,7 +2459,7 @@
           <a:p>
             <a:fld id="{05A061D8-88AA-45DE-B5D1-C0571CF3170B}" type="datetimeFigureOut">
               <a:rPr lang="en-US" smtClean="0"/>
-              <a:t>10/14/2019</a:t>
+              <a:t>10/19/2019</a:t>
             </a:fld>
             <a:endParaRPr lang="en-US"/>
           </a:p>
@@ -2629,7 +2629,7 @@
           <a:p>
             <a:fld id="{05A061D8-88AA-45DE-B5D1-C0571CF3170B}" type="datetimeFigureOut">
               <a:rPr lang="en-US" smtClean="0"/>
-              <a:t>10/14/2019</a:t>
+              <a:t>10/19/2019</a:t>
             </a:fld>
             <a:endParaRPr lang="en-US"/>
           </a:p>
@@ -2809,7 +2809,7 @@
           <a:p>
             <a:fld id="{05A061D8-88AA-45DE-B5D1-C0571CF3170B}" type="datetimeFigureOut">
               <a:rPr lang="en-US" smtClean="0"/>
-              <a:t>10/14/2019</a:t>
+              <a:t>10/19/2019</a:t>
             </a:fld>
             <a:endParaRPr lang="en-US"/>
           </a:p>
@@ -2938,7 +2938,7 @@
           <a:p>
             <a:fld id="{05A061D8-88AA-45DE-B5D1-C0571CF3170B}" type="datetimeFigureOut">
               <a:rPr lang="en-US" smtClean="0"/>
-              <a:t>10/14/2019</a:t>
+              <a:t>10/19/2019</a:t>
             </a:fld>
             <a:endParaRPr lang="en-US"/>
           </a:p>
@@ -3079,7 +3079,7 @@
           <a:p>
             <a:fld id="{05A061D8-88AA-45DE-B5D1-C0571CF3170B}" type="datetimeFigureOut">
               <a:rPr lang="en-US" smtClean="0"/>
-              <a:t>10/14/2019</a:t>
+              <a:t>10/19/2019</a:t>
             </a:fld>
             <a:endParaRPr lang="en-US"/>
           </a:p>
@@ -3299,7 +3299,7 @@
           <a:p>
             <a:fld id="{50A04D72-8E1E-4915-91EF-BF2D9BA8D8AF}" type="datetimeFigureOut">
               <a:rPr lang="en-US" smtClean="0"/>
-              <a:t>10/14/2019</a:t>
+              <a:t>10/19/2019</a:t>
             </a:fld>
             <a:endParaRPr lang="en-US"/>
           </a:p>
@@ -3487,7 +3487,7 @@
           <a:p>
             <a:fld id="{05A061D8-88AA-45DE-B5D1-C0571CF3170B}" type="datetimeFigureOut">
               <a:rPr lang="en-US" smtClean="0"/>
-              <a:t>10/14/2019</a:t>
+              <a:t>10/19/2019</a:t>
             </a:fld>
             <a:endParaRPr lang="en-US"/>
           </a:p>
@@ -3673,7 +3673,7 @@
           <a:p>
             <a:fld id="{50A04D72-8E1E-4915-91EF-BF2D9BA8D8AF}" type="datetimeFigureOut">
               <a:rPr lang="en-US" smtClean="0"/>
-              <a:t>10/14/2019</a:t>
+              <a:t>10/19/2019</a:t>
             </a:fld>
             <a:endParaRPr lang="en-US"/>
           </a:p>
@@ -3948,7 +3948,7 @@
           <a:p>
             <a:fld id="{50A04D72-8E1E-4915-91EF-BF2D9BA8D8AF}" type="datetimeFigureOut">
               <a:rPr lang="en-US" smtClean="0"/>
-              <a:t>10/14/2019</a:t>
+              <a:t>10/19/2019</a:t>
             </a:fld>
             <a:endParaRPr lang="en-US"/>
           </a:p>
@@ -4213,7 +4213,7 @@
           <a:p>
             <a:fld id="{50A04D72-8E1E-4915-91EF-BF2D9BA8D8AF}" type="datetimeFigureOut">
               <a:rPr lang="en-US" smtClean="0"/>
-              <a:t>10/14/2019</a:t>
+              <a:t>10/19/2019</a:t>
             </a:fld>
             <a:endParaRPr lang="en-US"/>
           </a:p>
@@ -4625,7 +4625,7 @@
           <a:p>
             <a:fld id="{50A04D72-8E1E-4915-91EF-BF2D9BA8D8AF}" type="datetimeFigureOut">
               <a:rPr lang="en-US" smtClean="0"/>
-              <a:t>10/14/2019</a:t>
+              <a:t>10/19/2019</a:t>
             </a:fld>
             <a:endParaRPr lang="en-US"/>
           </a:p>
@@ -4766,7 +4766,7 @@
           <a:p>
             <a:fld id="{50A04D72-8E1E-4915-91EF-BF2D9BA8D8AF}" type="datetimeFigureOut">
               <a:rPr lang="en-US" smtClean="0"/>
-              <a:t>10/14/2019</a:t>
+              <a:t>10/19/2019</a:t>
             </a:fld>
             <a:endParaRPr lang="en-US"/>
           </a:p>
@@ -4879,7 +4879,7 @@
           <a:p>
             <a:fld id="{50A04D72-8E1E-4915-91EF-BF2D9BA8D8AF}" type="datetimeFigureOut">
               <a:rPr lang="en-US" smtClean="0"/>
-              <a:t>10/14/2019</a:t>
+              <a:t>10/19/2019</a:t>
             </a:fld>
             <a:endParaRPr lang="en-US"/>
           </a:p>
@@ -5190,7 +5190,7 @@
           <a:p>
             <a:fld id="{50A04D72-8E1E-4915-91EF-BF2D9BA8D8AF}" type="datetimeFigureOut">
               <a:rPr lang="en-US" smtClean="0"/>
-              <a:t>10/14/2019</a:t>
+              <a:t>10/19/2019</a:t>
             </a:fld>
             <a:endParaRPr lang="en-US"/>
           </a:p>
@@ -5478,7 +5478,7 @@
           <a:p>
             <a:fld id="{50A04D72-8E1E-4915-91EF-BF2D9BA8D8AF}" type="datetimeFigureOut">
               <a:rPr lang="en-US" smtClean="0"/>
-              <a:t>10/14/2019</a:t>
+              <a:t>10/19/2019</a:t>
             </a:fld>
             <a:endParaRPr lang="en-US"/>
           </a:p>
@@ -5676,7 +5676,7 @@
           <a:p>
             <a:fld id="{50A04D72-8E1E-4915-91EF-BF2D9BA8D8AF}" type="datetimeFigureOut">
               <a:rPr lang="en-US" smtClean="0"/>
-              <a:t>10/14/2019</a:t>
+              <a:t>10/19/2019</a:t>
             </a:fld>
             <a:endParaRPr lang="en-US"/>
           </a:p>
@@ -5884,7 +5884,7 @@
           <a:p>
             <a:fld id="{50A04D72-8E1E-4915-91EF-BF2D9BA8D8AF}" type="datetimeFigureOut">
               <a:rPr lang="en-US" smtClean="0"/>
-              <a:t>10/14/2019</a:t>
+              <a:t>10/19/2019</a:t>
             </a:fld>
             <a:endParaRPr lang="en-US"/>
           </a:p>
@@ -6143,7 +6143,7 @@
           <a:p>
             <a:fld id="{05A061D8-88AA-45DE-B5D1-C0571CF3170B}" type="datetimeFigureOut">
               <a:rPr lang="en-US" smtClean="0"/>
-              <a:t>10/14/2019</a:t>
+              <a:t>10/19/2019</a:t>
             </a:fld>
             <a:endParaRPr lang="en-US"/>
           </a:p>
@@ -6375,7 +6375,7 @@
           <a:p>
             <a:fld id="{05A061D8-88AA-45DE-B5D1-C0571CF3170B}" type="datetimeFigureOut">
               <a:rPr lang="en-US" smtClean="0"/>
-              <a:t>10/14/2019</a:t>
+              <a:t>10/19/2019</a:t>
             </a:fld>
             <a:endParaRPr lang="en-US"/>
           </a:p>
@@ -6749,7 +6749,7 @@
           <a:p>
             <a:fld id="{05A061D8-88AA-45DE-B5D1-C0571CF3170B}" type="datetimeFigureOut">
               <a:rPr lang="en-US" smtClean="0"/>
-              <a:t>10/14/2019</a:t>
+              <a:t>10/19/2019</a:t>
             </a:fld>
             <a:endParaRPr lang="en-US"/>
           </a:p>
@@ -6872,7 +6872,7 @@
           <a:p>
             <a:fld id="{05A061D8-88AA-45DE-B5D1-C0571CF3170B}" type="datetimeFigureOut">
               <a:rPr lang="en-US" smtClean="0"/>
-              <a:t>10/14/2019</a:t>
+              <a:t>10/19/2019</a:t>
             </a:fld>
             <a:endParaRPr lang="en-US"/>
           </a:p>
@@ -6967,7 +6967,7 @@
           <a:p>
             <a:fld id="{05A061D8-88AA-45DE-B5D1-C0571CF3170B}" type="datetimeFigureOut">
               <a:rPr lang="en-US" smtClean="0"/>
-              <a:t>10/14/2019</a:t>
+              <a:t>10/19/2019</a:t>
             </a:fld>
             <a:endParaRPr lang="en-US"/>
           </a:p>
@@ -7222,7 +7222,7 @@
           <a:p>
             <a:fld id="{05A061D8-88AA-45DE-B5D1-C0571CF3170B}" type="datetimeFigureOut">
               <a:rPr lang="en-US" smtClean="0"/>
-              <a:t>10/14/2019</a:t>
+              <a:t>10/19/2019</a:t>
             </a:fld>
             <a:endParaRPr lang="en-US"/>
           </a:p>
@@ -7485,7 +7485,7 @@
           <a:p>
             <a:fld id="{05A061D8-88AA-45DE-B5D1-C0571CF3170B}" type="datetimeFigureOut">
               <a:rPr lang="en-US" smtClean="0"/>
-              <a:t>10/14/2019</a:t>
+              <a:t>10/19/2019</a:t>
             </a:fld>
             <a:endParaRPr lang="en-US"/>
           </a:p>
@@ -8228,7 +8228,7 @@
           <a:p>
             <a:fld id="{05A061D8-88AA-45DE-B5D1-C0571CF3170B}" type="datetimeFigureOut">
               <a:rPr lang="en-US" smtClean="0"/>
-              <a:t>10/14/2019</a:t>
+              <a:t>10/19/2019</a:t>
             </a:fld>
             <a:endParaRPr lang="en-US"/>
           </a:p>
@@ -8905,7 +8905,7 @@
           <a:p>
             <a:fld id="{50A04D72-8E1E-4915-91EF-BF2D9BA8D8AF}" type="datetimeFigureOut">
               <a:rPr lang="en-US" smtClean="0"/>
-              <a:t>10/14/2019</a:t>
+              <a:t>10/19/2019</a:t>
             </a:fld>
             <a:endParaRPr lang="en-US"/>
           </a:p>
@@ -12991,53 +12991,6 @@
           <a:chExt cx="0" cy="0"/>
         </a:xfrm>
       </p:grpSpPr>
-      <p:pic>
-        <p:nvPicPr>
-          <p:cNvPr id="9218" name="Picture 2">
-            <a:extLst>
-              <a:ext uri="{FF2B5EF4-FFF2-40B4-BE49-F238E27FC236}">
-                <a16:creationId xmlns:a16="http://schemas.microsoft.com/office/drawing/2014/main" id="{0B85D224-A518-440B-BB2B-D7ECD2B1FCF4}"/>
-              </a:ext>
-            </a:extLst>
-          </p:cNvPr>
-          <p:cNvPicPr>
-            <a:picLocks noChangeAspect="1" noChangeArrowheads="1"/>
-          </p:cNvPicPr>
-          <p:nvPr/>
-        </p:nvPicPr>
-        <p:blipFill>
-          <a:blip r:embed="rId2">
-            <a:extLst>
-              <a:ext uri="{28A0092B-C50C-407E-A947-70E740481C1C}">
-                <a14:useLocalDpi xmlns:a14="http://schemas.microsoft.com/office/drawing/2010/main" val="0"/>
-              </a:ext>
-            </a:extLst>
-          </a:blip>
-          <a:srcRect/>
-          <a:stretch>
-            <a:fillRect/>
-          </a:stretch>
-        </p:blipFill>
-        <p:spPr bwMode="auto">
-          <a:xfrm>
-            <a:off x="3462338" y="2019300"/>
-            <a:ext cx="3552825" cy="2552700"/>
-          </a:xfrm>
-          <a:prstGeom prst="rect">
-            <a:avLst/>
-          </a:prstGeom>
-          <a:noFill/>
-          <a:extLst>
-            <a:ext uri="{909E8E84-426E-40DD-AFC4-6F175D3DCCD1}">
-              <a14:hiddenFill xmlns:a14="http://schemas.microsoft.com/office/drawing/2010/main">
-                <a:solidFill>
-                  <a:srgbClr val="FFFFFF"/>
-                </a:solidFill>
-              </a14:hiddenFill>
-            </a:ext>
-          </a:extLst>
-        </p:spPr>
-      </p:pic>
       <p:sp>
         <p:nvSpPr>
           <p:cNvPr id="5" name="Rectangle 4">
@@ -13127,10 +13080,10 @@
       </p:sp>
       <p:sp>
         <p:nvSpPr>
-          <p:cNvPr id="4" name="TextBox 3">
-            <a:extLst>
-              <a:ext uri="{FF2B5EF4-FFF2-40B4-BE49-F238E27FC236}">
-                <a16:creationId xmlns:a16="http://schemas.microsoft.com/office/drawing/2014/main" id="{B7C495E4-A557-442C-81CB-8898E502C66D}"/>
+          <p:cNvPr id="13" name="TextBox 12">
+            <a:extLst>
+              <a:ext uri="{FF2B5EF4-FFF2-40B4-BE49-F238E27FC236}">
+                <a16:creationId xmlns:a16="http://schemas.microsoft.com/office/drawing/2014/main" id="{BCC03D83-F00D-42E8-B8FF-4677A0AA8A2A}"/>
               </a:ext>
             </a:extLst>
           </p:cNvPr>
@@ -13139,8 +13092,8 @@
         </p:nvSpPr>
         <p:spPr>
           <a:xfrm>
-            <a:off x="3930162" y="4572000"/>
-            <a:ext cx="2905347" cy="369332"/>
+            <a:off x="2063039" y="5703929"/>
+            <a:ext cx="6351419" cy="646331"/>
           </a:xfrm>
           <a:prstGeom prst="rect">
             <a:avLst/>
@@ -13153,172 +13106,41 @@
           </a:bodyPr>
           <a:lstStyle/>
           <a:p>
+            <a:pPr algn="ctr"/>
             <a:r>
               <a:rPr lang="en-US" dirty="0"/>
-              <a:t>Pearson Correlation: -0.96</a:t>
-            </a:r>
-          </a:p>
-        </p:txBody>
-      </p:sp>
-      <p:sp>
-        <p:nvSpPr>
-          <p:cNvPr id="13" name="TextBox 12">
-            <a:extLst>
-              <a:ext uri="{FF2B5EF4-FFF2-40B4-BE49-F238E27FC236}">
-                <a16:creationId xmlns:a16="http://schemas.microsoft.com/office/drawing/2014/main" id="{BCC03D83-F00D-42E8-B8FF-4677A0AA8A2A}"/>
-              </a:ext>
-            </a:extLst>
-          </p:cNvPr>
-          <p:cNvSpPr txBox="1"/>
+              <a:t>Rank Category is negatively correlated to one-year returns.</a:t>
+            </a:r>
+          </a:p>
+          <a:p>
+            <a:pPr algn="ctr"/>
+            <a:r>
+              <a:rPr lang="en-US" dirty="0"/>
+              <a:t>(Pearson Correlation: -0.96)</a:t>
+            </a:r>
+          </a:p>
+        </p:txBody>
+      </p:sp>
+      <p:sp>
+        <p:nvSpPr>
+          <p:cNvPr id="15" name="Rectangle 14">
+            <a:extLst>
+              <a:ext uri="{FF2B5EF4-FFF2-40B4-BE49-F238E27FC236}">
+                <a16:creationId xmlns:a16="http://schemas.microsoft.com/office/drawing/2014/main" id="{64D65E2B-3610-4595-BCDE-84639024D5AE}"/>
+              </a:ext>
+            </a:extLst>
+          </p:cNvPr>
+          <p:cNvSpPr/>
           <p:nvPr/>
         </p:nvSpPr>
         <p:spPr>
           <a:xfrm>
-            <a:off x="2129670" y="5571382"/>
-            <a:ext cx="6335389" cy="369332"/>
+            <a:off x="816100" y="1132711"/>
+            <a:ext cx="8845295" cy="369332"/>
           </a:xfrm>
           <a:prstGeom prst="rect">
             <a:avLst/>
           </a:prstGeom>
-          <a:noFill/>
-        </p:spPr>
-        <p:txBody>
-          <a:bodyPr wrap="none" rtlCol="0">
-            <a:spAutoFit/>
-          </a:bodyPr>
-          <a:lstStyle/>
-          <a:p>
-            <a:r>
-              <a:rPr lang="en-US" dirty="0"/>
-              <a:t>Rank Category is negatively correlated to one-year returns.</a:t>
-            </a:r>
-          </a:p>
-        </p:txBody>
-      </p:sp>
-      <p:sp>
-        <p:nvSpPr>
-          <p:cNvPr id="12" name="Rectangle 11">
-            <a:extLst>
-              <a:ext uri="{FF2B5EF4-FFF2-40B4-BE49-F238E27FC236}">
-                <a16:creationId xmlns:a16="http://schemas.microsoft.com/office/drawing/2014/main" id="{C6E46289-81D7-4326-80B4-759FE2596694}"/>
-              </a:ext>
-            </a:extLst>
-          </p:cNvPr>
-          <p:cNvSpPr/>
-          <p:nvPr/>
-        </p:nvSpPr>
-        <p:spPr>
-          <a:xfrm>
-            <a:off x="3719145" y="2435470"/>
-            <a:ext cx="3156441" cy="334108"/>
-          </a:xfrm>
-          <a:prstGeom prst="rect">
-            <a:avLst/>
-          </a:prstGeom>
-          <a:noFill/>
-          <a:ln>
-            <a:solidFill>
-              <a:srgbClr val="0070C0"/>
-            </a:solidFill>
-          </a:ln>
-        </p:spPr>
-        <p:style>
-          <a:lnRef idx="2">
-            <a:schemeClr val="accent1">
-              <a:shade val="50000"/>
-            </a:schemeClr>
-          </a:lnRef>
-          <a:fillRef idx="1">
-            <a:schemeClr val="accent1"/>
-          </a:fillRef>
-          <a:effectRef idx="0">
-            <a:schemeClr val="accent1"/>
-          </a:effectRef>
-          <a:fontRef idx="minor">
-            <a:schemeClr val="lt1"/>
-          </a:fontRef>
-        </p:style>
-        <p:txBody>
-          <a:bodyPr rtlCol="0" anchor="ctr"/>
-          <a:lstStyle/>
-          <a:p>
-            <a:pPr algn="ctr"/>
-            <a:endParaRPr lang="en-US"/>
-          </a:p>
-        </p:txBody>
-      </p:sp>
-      <p:sp>
-        <p:nvSpPr>
-          <p:cNvPr id="14" name="Star: 5 Points 13">
-            <a:extLst>
-              <a:ext uri="{FF2B5EF4-FFF2-40B4-BE49-F238E27FC236}">
-                <a16:creationId xmlns:a16="http://schemas.microsoft.com/office/drawing/2014/main" id="{216C379B-0DD3-4937-9873-5636A173B9B0}"/>
-              </a:ext>
-            </a:extLst>
-          </p:cNvPr>
-          <p:cNvSpPr/>
-          <p:nvPr/>
-        </p:nvSpPr>
-        <p:spPr>
-          <a:xfrm>
-            <a:off x="3854195" y="2519951"/>
-            <a:ext cx="151934" cy="165145"/>
-          </a:xfrm>
-          <a:prstGeom prst="star5">
-            <a:avLst/>
-          </a:prstGeom>
-          <a:noFill/>
-          <a:ln>
-            <a:solidFill>
-              <a:srgbClr val="0070C0"/>
-            </a:solidFill>
-          </a:ln>
-        </p:spPr>
-        <p:style>
-          <a:lnRef idx="2">
-            <a:schemeClr val="accent1">
-              <a:shade val="50000"/>
-            </a:schemeClr>
-          </a:lnRef>
-          <a:fillRef idx="1">
-            <a:schemeClr val="accent1"/>
-          </a:fillRef>
-          <a:effectRef idx="0">
-            <a:schemeClr val="accent1"/>
-          </a:effectRef>
-          <a:fontRef idx="minor">
-            <a:schemeClr val="lt1"/>
-          </a:fontRef>
-        </p:style>
-        <p:txBody>
-          <a:bodyPr rtlCol="0" anchor="ctr"/>
-          <a:lstStyle/>
-          <a:p>
-            <a:pPr algn="ctr"/>
-            <a:endParaRPr lang="en-US"/>
-          </a:p>
-        </p:txBody>
-      </p:sp>
-      <p:sp>
-        <p:nvSpPr>
-          <p:cNvPr id="15" name="Rectangle 14">
-            <a:extLst>
-              <a:ext uri="{FF2B5EF4-FFF2-40B4-BE49-F238E27FC236}">
-                <a16:creationId xmlns:a16="http://schemas.microsoft.com/office/drawing/2014/main" id="{64D65E2B-3610-4595-BCDE-84639024D5AE}"/>
-              </a:ext>
-            </a:extLst>
-          </p:cNvPr>
-          <p:cNvSpPr/>
-          <p:nvPr/>
-        </p:nvSpPr>
-        <p:spPr>
-          <a:xfrm>
-            <a:off x="816102" y="1286618"/>
-            <a:ext cx="8845295" cy="369332"/>
-          </a:xfrm>
-          <a:prstGeom prst="rect">
-            <a:avLst/>
-          </a:prstGeom>
         </p:spPr>
         <p:txBody>
           <a:bodyPr wrap="square">
@@ -13333,6 +13155,273 @@
           </a:p>
         </p:txBody>
       </p:sp>
+      <p:grpSp>
+        <p:nvGrpSpPr>
+          <p:cNvPr id="2" name="Group 1">
+            <a:extLst>
+              <a:ext uri="{FF2B5EF4-FFF2-40B4-BE49-F238E27FC236}">
+                <a16:creationId xmlns:a16="http://schemas.microsoft.com/office/drawing/2014/main" id="{F79FD8E9-0B60-42B4-8859-FF40CF3829F5}"/>
+              </a:ext>
+            </a:extLst>
+          </p:cNvPr>
+          <p:cNvGrpSpPr/>
+          <p:nvPr/>
+        </p:nvGrpSpPr>
+        <p:grpSpPr>
+          <a:xfrm>
+            <a:off x="1865431" y="1578996"/>
+            <a:ext cx="6746631" cy="4047979"/>
+            <a:chOff x="1865431" y="1578996"/>
+            <a:chExt cx="6746631" cy="4047979"/>
+          </a:xfrm>
+        </p:grpSpPr>
+        <p:pic>
+          <p:nvPicPr>
+            <p:cNvPr id="3" name="Picture 2" descr="A picture containing drawing&#10;&#10;Description automatically generated">
+              <a:extLst>
+                <a:ext uri="{FF2B5EF4-FFF2-40B4-BE49-F238E27FC236}">
+                  <a16:creationId xmlns:a16="http://schemas.microsoft.com/office/drawing/2014/main" id="{7D15C0BD-ABBF-4AB3-B679-955B4FF1B77A}"/>
+                </a:ext>
+              </a:extLst>
+            </p:cNvPr>
+            <p:cNvPicPr>
+              <a:picLocks noChangeAspect="1"/>
+            </p:cNvPicPr>
+            <p:nvPr/>
+          </p:nvPicPr>
+          <p:blipFill>
+            <a:blip r:embed="rId2">
+              <a:extLst>
+                <a:ext uri="{28A0092B-C50C-407E-A947-70E740481C1C}">
+                  <a14:useLocalDpi xmlns:a14="http://schemas.microsoft.com/office/drawing/2010/main" val="0"/>
+                </a:ext>
+              </a:extLst>
+            </a:blip>
+            <a:stretch>
+              <a:fillRect/>
+            </a:stretch>
+          </p:blipFill>
+          <p:spPr>
+            <a:xfrm>
+              <a:off x="1865431" y="1578996"/>
+              <a:ext cx="6746631" cy="4047979"/>
+            </a:xfrm>
+            <a:prstGeom prst="rect">
+              <a:avLst/>
+            </a:prstGeom>
+          </p:spPr>
+        </p:pic>
+        <p:sp>
+          <p:nvSpPr>
+            <p:cNvPr id="7" name="TextBox 6">
+              <a:extLst>
+                <a:ext uri="{FF2B5EF4-FFF2-40B4-BE49-F238E27FC236}">
+                  <a16:creationId xmlns:a16="http://schemas.microsoft.com/office/drawing/2014/main" id="{3CB4EE3A-C31C-4D38-9EAE-2BE54FE19B92}"/>
+                </a:ext>
+              </a:extLst>
+            </p:cNvPr>
+            <p:cNvSpPr txBox="1"/>
+            <p:nvPr/>
+          </p:nvSpPr>
+          <p:spPr>
+            <a:xfrm>
+              <a:off x="2597103" y="2127738"/>
+              <a:ext cx="574196" cy="276999"/>
+            </a:xfrm>
+            <a:prstGeom prst="rect">
+              <a:avLst/>
+            </a:prstGeom>
+            <a:noFill/>
+          </p:spPr>
+          <p:txBody>
+            <a:bodyPr wrap="none" rtlCol="0">
+              <a:spAutoFit/>
+            </a:bodyPr>
+            <a:lstStyle/>
+            <a:p>
+              <a:r>
+                <a:rPr lang="en-US" sz="1200" dirty="0"/>
+                <a:t>23.3%</a:t>
+              </a:r>
+            </a:p>
+          </p:txBody>
+        </p:sp>
+        <p:sp>
+          <p:nvSpPr>
+            <p:cNvPr id="16" name="TextBox 15">
+              <a:extLst>
+                <a:ext uri="{FF2B5EF4-FFF2-40B4-BE49-F238E27FC236}">
+                  <a16:creationId xmlns:a16="http://schemas.microsoft.com/office/drawing/2014/main" id="{F8A513DD-779C-4F07-B664-CC83AEA2E885}"/>
+                </a:ext>
+              </a:extLst>
+            </p:cNvPr>
+            <p:cNvSpPr txBox="1"/>
+            <p:nvPr/>
+          </p:nvSpPr>
+          <p:spPr>
+            <a:xfrm>
+              <a:off x="3514434" y="2404737"/>
+              <a:ext cx="574196" cy="276999"/>
+            </a:xfrm>
+            <a:prstGeom prst="rect">
+              <a:avLst/>
+            </a:prstGeom>
+            <a:noFill/>
+          </p:spPr>
+          <p:txBody>
+            <a:bodyPr wrap="none" rtlCol="0">
+              <a:spAutoFit/>
+            </a:bodyPr>
+            <a:lstStyle/>
+            <a:p>
+              <a:r>
+                <a:rPr lang="en-US" sz="1200" dirty="0"/>
+                <a:t>20.8%</a:t>
+              </a:r>
+            </a:p>
+          </p:txBody>
+        </p:sp>
+        <p:sp>
+          <p:nvSpPr>
+            <p:cNvPr id="17" name="TextBox 16">
+              <a:extLst>
+                <a:ext uri="{FF2B5EF4-FFF2-40B4-BE49-F238E27FC236}">
+                  <a16:creationId xmlns:a16="http://schemas.microsoft.com/office/drawing/2014/main" id="{7A47B73C-BD55-4B3F-8811-6E22E729A7B2}"/>
+                </a:ext>
+              </a:extLst>
+            </p:cNvPr>
+            <p:cNvSpPr txBox="1"/>
+            <p:nvPr/>
+          </p:nvSpPr>
+          <p:spPr>
+            <a:xfrm>
+              <a:off x="4431765" y="2266237"/>
+              <a:ext cx="574196" cy="276999"/>
+            </a:xfrm>
+            <a:prstGeom prst="rect">
+              <a:avLst/>
+            </a:prstGeom>
+            <a:noFill/>
+          </p:spPr>
+          <p:txBody>
+            <a:bodyPr wrap="none" rtlCol="0">
+              <a:spAutoFit/>
+            </a:bodyPr>
+            <a:lstStyle/>
+            <a:p>
+              <a:r>
+                <a:rPr lang="en-US" sz="1200" dirty="0"/>
+                <a:t>21.3%</a:t>
+              </a:r>
+            </a:p>
+          </p:txBody>
+        </p:sp>
+        <p:sp>
+          <p:nvSpPr>
+            <p:cNvPr id="18" name="TextBox 17">
+              <a:extLst>
+                <a:ext uri="{FF2B5EF4-FFF2-40B4-BE49-F238E27FC236}">
+                  <a16:creationId xmlns:a16="http://schemas.microsoft.com/office/drawing/2014/main" id="{B303FEDB-DD0D-412B-9A8F-CD1E2A0B7F15}"/>
+                </a:ext>
+              </a:extLst>
+            </p:cNvPr>
+            <p:cNvSpPr txBox="1"/>
+            <p:nvPr/>
+          </p:nvSpPr>
+          <p:spPr>
+            <a:xfrm>
+              <a:off x="5349095" y="2823084"/>
+              <a:ext cx="574196" cy="276999"/>
+            </a:xfrm>
+            <a:prstGeom prst="rect">
+              <a:avLst/>
+            </a:prstGeom>
+            <a:noFill/>
+          </p:spPr>
+          <p:txBody>
+            <a:bodyPr wrap="none" rtlCol="0">
+              <a:spAutoFit/>
+            </a:bodyPr>
+            <a:lstStyle/>
+            <a:p>
+              <a:r>
+                <a:rPr lang="en-US" sz="1200" dirty="0"/>
+                <a:t>17.0%</a:t>
+              </a:r>
+            </a:p>
+          </p:txBody>
+        </p:sp>
+        <p:sp>
+          <p:nvSpPr>
+            <p:cNvPr id="19" name="TextBox 18">
+              <a:extLst>
+                <a:ext uri="{FF2B5EF4-FFF2-40B4-BE49-F238E27FC236}">
+                  <a16:creationId xmlns:a16="http://schemas.microsoft.com/office/drawing/2014/main" id="{34B893A2-BA25-4DA2-90D1-184D3D115897}"/>
+                </a:ext>
+              </a:extLst>
+            </p:cNvPr>
+            <p:cNvSpPr txBox="1"/>
+            <p:nvPr/>
+          </p:nvSpPr>
+          <p:spPr>
+            <a:xfrm>
+              <a:off x="6268711" y="2823084"/>
+              <a:ext cx="574196" cy="276999"/>
+            </a:xfrm>
+            <a:prstGeom prst="rect">
+              <a:avLst/>
+            </a:prstGeom>
+            <a:noFill/>
+          </p:spPr>
+          <p:txBody>
+            <a:bodyPr wrap="none" rtlCol="0">
+              <a:spAutoFit/>
+            </a:bodyPr>
+            <a:lstStyle/>
+            <a:p>
+              <a:r>
+                <a:rPr lang="en-US" sz="1200" dirty="0"/>
+                <a:t>16.9%</a:t>
+              </a:r>
+            </a:p>
+          </p:txBody>
+        </p:sp>
+        <p:sp>
+          <p:nvSpPr>
+            <p:cNvPr id="20" name="TextBox 19">
+              <a:extLst>
+                <a:ext uri="{FF2B5EF4-FFF2-40B4-BE49-F238E27FC236}">
+                  <a16:creationId xmlns:a16="http://schemas.microsoft.com/office/drawing/2014/main" id="{C14793F8-D66E-4F39-B538-2EE1E3E68A88}"/>
+                </a:ext>
+              </a:extLst>
+            </p:cNvPr>
+            <p:cNvSpPr txBox="1"/>
+            <p:nvPr/>
+          </p:nvSpPr>
+          <p:spPr>
+            <a:xfrm>
+              <a:off x="7199611" y="3100083"/>
+              <a:ext cx="574196" cy="276999"/>
+            </a:xfrm>
+            <a:prstGeom prst="rect">
+              <a:avLst/>
+            </a:prstGeom>
+            <a:noFill/>
+          </p:spPr>
+          <p:txBody>
+            <a:bodyPr wrap="none" rtlCol="0">
+              <a:spAutoFit/>
+            </a:bodyPr>
+            <a:lstStyle/>
+            <a:p>
+              <a:r>
+                <a:rPr lang="en-US" sz="1200" dirty="0"/>
+                <a:t>14.3%</a:t>
+              </a:r>
+            </a:p>
+          </p:txBody>
+        </p:sp>
+      </p:grpSp>
     </p:spTree>
     <p:extLst>
       <p:ext uri="{BB962C8B-B14F-4D97-AF65-F5344CB8AC3E}">
